--- a/静态布局2016-11-28.pptx
+++ b/静态布局2016-11-28.pptx
@@ -5,10 +5,10 @@
     <p:sldMasterId id="2147483648" r:id="rId2"/>
   </p:sldMasterIdLst>
   <p:notesMasterIdLst>
-    <p:notesMasterId r:id="rId11"/>
+    <p:notesMasterId r:id="rId12"/>
   </p:notesMasterIdLst>
   <p:handoutMasterIdLst>
-    <p:handoutMasterId r:id="rId12"/>
+    <p:handoutMasterId r:id="rId13"/>
   </p:handoutMasterIdLst>
   <p:sldIdLst>
     <p:sldId id="256" r:id="rId3"/>
@@ -19,6 +19,7 @@
     <p:sldId id="270" r:id="rId8"/>
     <p:sldId id="271" r:id="rId9"/>
     <p:sldId id="272" r:id="rId10"/>
+    <p:sldId id="273" r:id="rId11"/>
   </p:sldIdLst>
   <p:sldSz cx="12192000" cy="6858000"/>
   <p:notesSz cx="6858000" cy="9144000"/>
@@ -210,7 +211,7 @@
           <a:p>
             <a:fld id="{20EA5F0D-C1DC-412F-A146-DDB3A74B588F}" type="datetimeFigureOut">
               <a:rPr lang="en-US" altLang="zh-CN"/>
-              <a:t>11/27/2016</a:t>
+              <a:t>11/28/2016</a:t>
             </a:fld>
             <a:endParaRPr lang="zh-CN"/>
           </a:p>
@@ -374,7 +375,7 @@
           </a:lstStyle>
           <a:p>
             <a:fld id="{A8CDE508-72C8-4AB5-AA9C-1584D31690E0}" type="datetimeFigureOut">
-              <a:t>2016/11/27</a:t>
+              <a:t>2016/11/28</a:t>
             </a:fld>
             <a:endParaRPr lang="zh-CN"/>
           </a:p>
@@ -989,7 +990,7 @@
           <a:lstStyle/>
           <a:p>
             <a:fld id="{9E583DDF-CA54-461A-A486-592D2374C532}" type="datetimeFigureOut">
-              <a:t>2016/11/27</a:t>
+              <a:t>2016/11/28</a:t>
             </a:fld>
             <a:endParaRPr lang="zh-CN"/>
           </a:p>
@@ -1179,7 +1180,7 @@
           <a:lstStyle/>
           <a:p>
             <a:fld id="{9E583DDF-CA54-461A-A486-592D2374C532}" type="datetimeFigureOut">
-              <a:t>2016/11/27</a:t>
+              <a:t>2016/11/28</a:t>
             </a:fld>
             <a:endParaRPr lang="zh-CN"/>
           </a:p>
@@ -1359,7 +1360,7 @@
           <a:lstStyle/>
           <a:p>
             <a:fld id="{9E583DDF-CA54-461A-A486-592D2374C532}" type="datetimeFigureOut">
-              <a:t>2016/11/27</a:t>
+              <a:t>2016/11/28</a:t>
             </a:fld>
             <a:endParaRPr lang="zh-CN"/>
           </a:p>
@@ -1670,7 +1671,7 @@
           <a:lstStyle/>
           <a:p>
             <a:fld id="{9E583DDF-CA54-461A-A486-592D2374C532}" type="datetimeFigureOut">
-              <a:t>2016/11/27</a:t>
+              <a:t>2016/11/28</a:t>
             </a:fld>
             <a:endParaRPr lang="zh-CN"/>
           </a:p>
@@ -1977,7 +1978,7 @@
           <a:lstStyle/>
           <a:p>
             <a:fld id="{0A879FD0-C37A-4F50-8F3B-5FA0D9D0B42F}" type="datetimeFigureOut">
-              <a:t>2016/11/27</a:t>
+              <a:t>2016/11/28</a:t>
             </a:fld>
             <a:endParaRPr lang="zh-CN"/>
           </a:p>
@@ -2431,7 +2432,7 @@
           <a:lstStyle/>
           <a:p>
             <a:fld id="{9E583DDF-CA54-461A-A486-592D2374C532}" type="datetimeFigureOut">
-              <a:t>2016/11/27</a:t>
+              <a:t>2016/11/28</a:t>
             </a:fld>
             <a:endParaRPr lang="zh-CN"/>
           </a:p>
@@ -2566,7 +2567,7 @@
           <a:lstStyle/>
           <a:p>
             <a:fld id="{9E583DDF-CA54-461A-A486-592D2374C532}" type="datetimeFigureOut">
-              <a:t>2016/11/27</a:t>
+              <a:t>2016/11/28</a:t>
             </a:fld>
             <a:endParaRPr lang="zh-CN"/>
           </a:p>
@@ -2716,7 +2717,7 @@
           <a:lstStyle/>
           <a:p>
             <a:fld id="{9E583DDF-CA54-461A-A486-592D2374C532}" type="datetimeFigureOut">
-              <a:t>2016/11/27</a:t>
+              <a:t>2016/11/28</a:t>
             </a:fld>
             <a:endParaRPr lang="zh-CN"/>
           </a:p>
@@ -3012,7 +3013,7 @@
           <a:lstStyle/>
           <a:p>
             <a:fld id="{9E583DDF-CA54-461A-A486-592D2374C532}" type="datetimeFigureOut">
-              <a:t>2016/11/27</a:t>
+              <a:t>2016/11/28</a:t>
             </a:fld>
             <a:endParaRPr lang="zh-CN"/>
           </a:p>
@@ -3296,7 +3297,7 @@
           <a:lstStyle/>
           <a:p>
             <a:fld id="{9E583DDF-CA54-461A-A486-592D2374C532}" type="datetimeFigureOut">
-              <a:t>2016/11/27</a:t>
+              <a:t>2016/11/28</a:t>
             </a:fld>
             <a:endParaRPr lang="zh-CN"/>
           </a:p>
@@ -3569,7 +3570,7 @@
             <a:fld id="{9E583DDF-CA54-461A-A486-592D2374C532}" type="datetimeFigureOut">
               <a:rPr lang="en-US" altLang="zh-CN" smtClean="0"/>
               <a:pPr/>
-              <a:t>11/27/2016</a:t>
+              <a:t>11/28/2016</a:t>
             </a:fld>
             <a:endParaRPr lang="zh-CN" altLang="en-US"/>
           </a:p>
@@ -4132,11 +4133,7 @@
           <a:p>
             <a:r>
               <a:rPr lang="en-US" altLang="zh-CN" dirty="0" smtClean="0"/>
-              <a:t>Html5</a:t>
-            </a:r>
-            <a:r>
-              <a:rPr lang="en-US" altLang="zh-CN" dirty="0" smtClean="0"/>
-              <a:t>&amp;css3</a:t>
+              <a:t>Html5&amp;css3</a:t>
             </a:r>
             <a:endParaRPr lang="zh-CN" dirty="0"/>
           </a:p>
@@ -4204,7 +4201,19 @@
             </a:r>
             <a:r>
               <a:rPr lang="zh-CN" altLang="en-US" dirty="0" smtClean="0"/>
-              <a:t>、伪元素</a:t>
+              <a:t>、伪</a:t>
+            </a:r>
+            <a:r>
+              <a:rPr lang="zh-CN" altLang="en-US" dirty="0" smtClean="0"/>
+              <a:t>元素</a:t>
+            </a:r>
+            <a:r>
+              <a:rPr lang="en-US" altLang="zh-CN" dirty="0" smtClean="0"/>
+              <a:t>&amp;</a:t>
+            </a:r>
+            <a:r>
+              <a:rPr lang="zh-CN" altLang="en-US" dirty="0" smtClean="0"/>
+              <a:t>伪类</a:t>
             </a:r>
             <a:endParaRPr lang="en-US" altLang="zh-CN" dirty="0" smtClean="0"/>
           </a:p>
@@ -4719,7 +4728,19 @@
           <a:p>
             <a:r>
               <a:rPr lang="zh-CN" altLang="en-US" dirty="0" smtClean="0"/>
-              <a:t>伪元素</a:t>
+              <a:t>伪</a:t>
+            </a:r>
+            <a:r>
+              <a:rPr lang="zh-CN" altLang="en-US" dirty="0" smtClean="0"/>
+              <a:t>元素</a:t>
+            </a:r>
+            <a:r>
+              <a:rPr lang="en-US" altLang="zh-CN" dirty="0"/>
+              <a:t>&amp;</a:t>
+            </a:r>
+            <a:r>
+              <a:rPr lang="zh-CN" altLang="en-US" dirty="0"/>
+              <a:t>伪类</a:t>
             </a:r>
             <a:endParaRPr lang="zh-CN" altLang="en-US" dirty="0"/>
           </a:p>
@@ -4787,6 +4808,24 @@
               <a:rPr lang="en-US" altLang="zh-CN" dirty="0" smtClean="0"/>
               <a:t>after</a:t>
             </a:r>
+          </a:p>
+          <a:p>
+            <a:pPr marL="45720" indent="0">
+              <a:buNone/>
+            </a:pPr>
+            <a:r>
+              <a:rPr lang="en-US" altLang="zh-CN" dirty="0"/>
+              <a:t>:</a:t>
+            </a:r>
+            <a:r>
+              <a:rPr lang="en-US" altLang="zh-CN" dirty="0" smtClean="0"/>
+              <a:t>nth-child </a:t>
+            </a:r>
+            <a:r>
+              <a:rPr lang="zh-CN" altLang="en-US" dirty="0" smtClean="0"/>
+              <a:t>伪类</a:t>
+            </a:r>
+            <a:endParaRPr lang="en-US" altLang="zh-CN" dirty="0" smtClean="0"/>
           </a:p>
           <a:p>
             <a:pPr marL="45720" indent="0">
@@ -5343,7 +5382,15 @@
             </a:r>
             <a:r>
               <a:rPr lang="en-US" altLang="zh-CN" dirty="0" smtClean="0"/>
-              <a:t>:after</a:t>
+              <a:t>:</a:t>
+            </a:r>
+            <a:r>
+              <a:rPr lang="en-US" altLang="zh-CN" dirty="0" smtClean="0"/>
+              <a:t>after </a:t>
+            </a:r>
+            <a:r>
+              <a:rPr lang="zh-CN" altLang="en-US" dirty="0" smtClean="0"/>
+              <a:t>伪元素</a:t>
             </a:r>
             <a:endParaRPr lang="zh-CN" altLang="en-US" dirty="0"/>
           </a:p>
@@ -5402,6 +5449,133 @@
     <p:extLst>
       <p:ext uri="{BB962C8B-B14F-4D97-AF65-F5344CB8AC3E}">
         <p14:creationId xmlns:p14="http://schemas.microsoft.com/office/powerpoint/2010/main" val="1116354981"/>
+      </p:ext>
+    </p:extLst>
+  </p:cSld>
+  <p:clrMapOvr>
+    <a:masterClrMapping/>
+  </p:clrMapOvr>
+  <mc:AlternateContent xmlns:mc="http://schemas.openxmlformats.org/markup-compatibility/2006" xmlns:p14="http://schemas.microsoft.com/office/powerpoint/2010/main">
+    <mc:Choice Requires="p14">
+      <p:transition spd="med" p14:dur="700">
+        <p:fade/>
+      </p:transition>
+    </mc:Choice>
+    <mc:Fallback xmlns="">
+      <p:transition spd="med">
+        <p:fade/>
+      </p:transition>
+    </mc:Fallback>
+  </mc:AlternateContent>
+</p:sld>
+</file>
+
+<file path=ppt/slides/slide9.xml><?xml version="1.0" encoding="utf-8"?>
+<p:sld xmlns:a="http://schemas.openxmlformats.org/drawingml/2006/main" xmlns:r="http://schemas.openxmlformats.org/officeDocument/2006/relationships" xmlns:p="http://schemas.openxmlformats.org/presentationml/2006/main">
+  <p:cSld>
+    <p:spTree>
+      <p:nvGrpSpPr>
+        <p:cNvPr id="1" name=""/>
+        <p:cNvGrpSpPr/>
+        <p:nvPr/>
+      </p:nvGrpSpPr>
+      <p:grpSpPr>
+        <a:xfrm>
+          <a:off x="0" y="0"/>
+          <a:ext cx="0" cy="0"/>
+          <a:chOff x="0" y="0"/>
+          <a:chExt cx="0" cy="0"/>
+        </a:xfrm>
+      </p:grpSpPr>
+      <p:sp>
+        <p:nvSpPr>
+          <p:cNvPr id="2" name="标题 1"/>
+          <p:cNvSpPr>
+            <a:spLocks noGrp="1"/>
+          </p:cNvSpPr>
+          <p:nvPr>
+            <p:ph type="title"/>
+          </p:nvPr>
+        </p:nvSpPr>
+        <p:spPr/>
+        <p:txBody>
+          <a:bodyPr/>
+          <a:lstStyle/>
+          <a:p>
+            <a:r>
+              <a:rPr lang="en-US" altLang="zh-CN" dirty="0"/>
+              <a:t>:</a:t>
+            </a:r>
+            <a:r>
+              <a:rPr lang="en-US" altLang="zh-CN" dirty="0" smtClean="0"/>
+              <a:t>nth-child </a:t>
+            </a:r>
+            <a:r>
+              <a:rPr lang="zh-CN" altLang="en-US" dirty="0" smtClean="0"/>
+              <a:t>伪类</a:t>
+            </a:r>
+            <a:endParaRPr lang="zh-CN" altLang="en-US" dirty="0"/>
+          </a:p>
+        </p:txBody>
+      </p:sp>
+      <p:sp>
+        <p:nvSpPr>
+          <p:cNvPr id="3" name="内容占位符 2"/>
+          <p:cNvSpPr>
+            <a:spLocks noGrp="1"/>
+          </p:cNvSpPr>
+          <p:nvPr>
+            <p:ph sz="half" idx="1"/>
+          </p:nvPr>
+        </p:nvSpPr>
+        <p:spPr>
+          <a:xfrm>
+            <a:off x="1341120" y="1901952"/>
+            <a:ext cx="9509760" cy="4123944"/>
+          </a:xfrm>
+        </p:spPr>
+        <p:txBody>
+          <a:bodyPr/>
+          <a:lstStyle/>
+          <a:p>
+            <a:r>
+              <a:rPr lang="zh-CN" altLang="en-US" dirty="0" smtClean="0"/>
+              <a:t>按</a:t>
+            </a:r>
+            <a:r>
+              <a:rPr lang="en-US" altLang="zh-CN" dirty="0" smtClean="0"/>
+              <a:t>index</a:t>
+            </a:r>
+            <a:r>
+              <a:rPr lang="zh-CN" altLang="en-US" dirty="0" smtClean="0"/>
+              <a:t>定位</a:t>
+            </a:r>
+            <a:endParaRPr lang="en-US" altLang="zh-CN" dirty="0" smtClean="0"/>
+          </a:p>
+          <a:p>
+            <a:r>
+              <a:rPr lang="zh-CN" altLang="en-US" dirty="0" smtClean="0"/>
+              <a:t>奇偶数选择</a:t>
+            </a:r>
+            <a:endParaRPr lang="en-US" altLang="zh-CN" dirty="0" smtClean="0"/>
+          </a:p>
+          <a:p>
+            <a:r>
+              <a:rPr lang="zh-CN" altLang="en-US" dirty="0" smtClean="0"/>
+              <a:t>公式选择</a:t>
+            </a:r>
+            <a:r>
+              <a:rPr lang="en-US" altLang="zh-CN" dirty="0" smtClean="0"/>
+              <a:t>3n+1</a:t>
+            </a:r>
+            <a:endParaRPr lang="zh-CN" altLang="en-US" dirty="0"/>
+          </a:p>
+        </p:txBody>
+      </p:sp>
+    </p:spTree>
+    <p:extLst>
+      <p:ext uri="{BB962C8B-B14F-4D97-AF65-F5344CB8AC3E}">
+        <p14:creationId xmlns:p14="http://schemas.microsoft.com/office/powerpoint/2010/main" val="160468583"/>
       </p:ext>
     </p:extLst>
   </p:cSld>
